--- a/HR Dashboard/Journey to the HR Dashboard.pptx
+++ b/HR Dashboard/Journey to the HR Dashboard.pptx
@@ -5,16 +5,18 @@
     <p:sldMasterId id="2147483648" r:id="rId4"/>
   </p:sldMasterIdLst>
   <p:notesMasterIdLst>
-    <p:notesMasterId r:id="rId9"/>
+    <p:notesMasterId r:id="rId11"/>
   </p:notesMasterIdLst>
   <p:handoutMasterIdLst>
-    <p:handoutMasterId r:id="rId10"/>
+    <p:handoutMasterId r:id="rId12"/>
   </p:handoutMasterIdLst>
   <p:sldIdLst>
     <p:sldId id="279" r:id="rId5"/>
     <p:sldId id="280" r:id="rId6"/>
     <p:sldId id="281" r:id="rId7"/>
     <p:sldId id="282" r:id="rId8"/>
+    <p:sldId id="257" r:id="rId9"/>
+    <p:sldId id="283" r:id="rId10"/>
   </p:sldIdLst>
   <p:sldSz cx="12192000" cy="6858000"/>
   <p:notesSz cx="6858000" cy="9144000"/>
@@ -437,7 +439,7 @@
           <a:p>
             <a:fld id="{357E5575-CAFE-4A42-A774-E4652BA723C1}" type="datetimeFigureOut">
               <a:rPr lang="en-US" smtClean="0"/>
-              <a:t>2/18/2026</a:t>
+              <a:t>2/19/2026</a:t>
             </a:fld>
             <a:endParaRPr lang="en-US" dirty="0"/>
           </a:p>
@@ -9819,6 +9821,226 @@
 </p:sldLayout>
 </file>
 
+<file path=ppt/slideLayouts/slideLayout7.xml><?xml version="1.0" encoding="utf-8"?>
+<p:sldLayout xmlns:a="http://schemas.openxmlformats.org/drawingml/2006/main" xmlns:r="http://schemas.openxmlformats.org/officeDocument/2006/relationships" xmlns:p="http://schemas.openxmlformats.org/presentationml/2006/main" type="title">
+  <p:cSld name="Title Slide">
+    <p:spTree>
+      <p:nvGrpSpPr>
+        <p:cNvPr id="1" name=""/>
+        <p:cNvGrpSpPr/>
+        <p:nvPr/>
+      </p:nvGrpSpPr>
+      <p:grpSpPr>
+        <a:xfrm>
+          <a:off x="0" y="0"/>
+          <a:ext cx="0" cy="0"/>
+          <a:chOff x="0" y="0"/>
+          <a:chExt cx="0" cy="0"/>
+        </a:xfrm>
+      </p:grpSpPr>
+      <p:sp>
+        <p:nvSpPr>
+          <p:cNvPr id="2" name="Title 1">
+            <a:extLst>
+              <a:ext uri="{FF2B5EF4-FFF2-40B4-BE49-F238E27FC236}">
+                <a16:creationId xmlns:a16="http://schemas.microsoft.com/office/drawing/2014/main" id="{00D1A6E6-075E-4828-AF88-09BD0A74259E}"/>
+              </a:ext>
+            </a:extLst>
+          </p:cNvPr>
+          <p:cNvSpPr>
+            <a:spLocks noGrp="1"/>
+          </p:cNvSpPr>
+          <p:nvPr>
+            <p:ph type="ctrTitle"/>
+          </p:nvPr>
+        </p:nvSpPr>
+        <p:spPr>
+          <a:xfrm>
+            <a:off x="1524000" y="1122363"/>
+            <a:ext cx="9144000" cy="2387600"/>
+          </a:xfrm>
+        </p:spPr>
+        <p:txBody>
+          <a:bodyPr anchor="b"/>
+          <a:lstStyle>
+            <a:lvl1pPr algn="ctr">
+              <a:defRPr sz="6000"/>
+            </a:lvl1pPr>
+          </a:lstStyle>
+          <a:p>
+            <a:r>
+              <a:rPr lang="en-US"/>
+              <a:t>Click to edit Master title style</a:t>
+            </a:r>
+          </a:p>
+        </p:txBody>
+      </p:sp>
+      <p:sp>
+        <p:nvSpPr>
+          <p:cNvPr id="3" name="Subtitle 2">
+            <a:extLst>
+              <a:ext uri="{FF2B5EF4-FFF2-40B4-BE49-F238E27FC236}">
+                <a16:creationId xmlns:a16="http://schemas.microsoft.com/office/drawing/2014/main" id="{5F3800DB-487B-4E23-AC0B-90C9ED4E1076}"/>
+              </a:ext>
+            </a:extLst>
+          </p:cNvPr>
+          <p:cNvSpPr>
+            <a:spLocks noGrp="1"/>
+          </p:cNvSpPr>
+          <p:nvPr>
+            <p:ph type="subTitle" idx="1"/>
+          </p:nvPr>
+        </p:nvSpPr>
+        <p:spPr>
+          <a:xfrm>
+            <a:off x="1524000" y="3602038"/>
+            <a:ext cx="9144000" cy="1655762"/>
+          </a:xfrm>
+        </p:spPr>
+        <p:txBody>
+          <a:bodyPr/>
+          <a:lstStyle>
+            <a:lvl1pPr marL="0" indent="0" algn="ctr">
+              <a:buNone/>
+              <a:defRPr sz="2400"/>
+            </a:lvl1pPr>
+            <a:lvl2pPr marL="457200" indent="0" algn="ctr">
+              <a:buNone/>
+              <a:defRPr sz="2000"/>
+            </a:lvl2pPr>
+            <a:lvl3pPr marL="914400" indent="0" algn="ctr">
+              <a:buNone/>
+              <a:defRPr sz="1800"/>
+            </a:lvl3pPr>
+            <a:lvl4pPr marL="1371600" indent="0" algn="ctr">
+              <a:buNone/>
+              <a:defRPr sz="1600"/>
+            </a:lvl4pPr>
+            <a:lvl5pPr marL="1828800" indent="0" algn="ctr">
+              <a:buNone/>
+              <a:defRPr sz="1600"/>
+            </a:lvl5pPr>
+            <a:lvl6pPr marL="2286000" indent="0" algn="ctr">
+              <a:buNone/>
+              <a:defRPr sz="1600"/>
+            </a:lvl6pPr>
+            <a:lvl7pPr marL="2743200" indent="0" algn="ctr">
+              <a:buNone/>
+              <a:defRPr sz="1600"/>
+            </a:lvl7pPr>
+            <a:lvl8pPr marL="3200400" indent="0" algn="ctr">
+              <a:buNone/>
+              <a:defRPr sz="1600"/>
+            </a:lvl8pPr>
+            <a:lvl9pPr marL="3657600" indent="0" algn="ctr">
+              <a:buNone/>
+              <a:defRPr sz="1600"/>
+            </a:lvl9pPr>
+          </a:lstStyle>
+          <a:p>
+            <a:r>
+              <a:rPr lang="en-US"/>
+              <a:t>Click to edit Master subtitle style</a:t>
+            </a:r>
+          </a:p>
+        </p:txBody>
+      </p:sp>
+      <p:sp>
+        <p:nvSpPr>
+          <p:cNvPr id="4" name="Date Placeholder 3">
+            <a:extLst>
+              <a:ext uri="{FF2B5EF4-FFF2-40B4-BE49-F238E27FC236}">
+                <a16:creationId xmlns:a16="http://schemas.microsoft.com/office/drawing/2014/main" id="{664DF5B1-3694-42A9-866E-9F1FF6CF0C01}"/>
+              </a:ext>
+            </a:extLst>
+          </p:cNvPr>
+          <p:cNvSpPr>
+            <a:spLocks noGrp="1"/>
+          </p:cNvSpPr>
+          <p:nvPr>
+            <p:ph type="dt" sz="half" idx="10"/>
+          </p:nvPr>
+        </p:nvSpPr>
+        <p:spPr/>
+        <p:txBody>
+          <a:bodyPr/>
+          <a:lstStyle/>
+          <a:p>
+            <a:fld id="{EED1C14C-A143-42F5-B247-D0E800131009}" type="datetimeFigureOut">
+              <a:rPr lang="en-US" smtClean="0"/>
+              <a:t>2/19/2026</a:t>
+            </a:fld>
+            <a:endParaRPr lang="en-US"/>
+          </a:p>
+        </p:txBody>
+      </p:sp>
+      <p:sp>
+        <p:nvSpPr>
+          <p:cNvPr id="5" name="Footer Placeholder 4">
+            <a:extLst>
+              <a:ext uri="{FF2B5EF4-FFF2-40B4-BE49-F238E27FC236}">
+                <a16:creationId xmlns:a16="http://schemas.microsoft.com/office/drawing/2014/main" id="{54718E67-8162-4BE0-9B01-22B89A120ADC}"/>
+              </a:ext>
+            </a:extLst>
+          </p:cNvPr>
+          <p:cNvSpPr>
+            <a:spLocks noGrp="1"/>
+          </p:cNvSpPr>
+          <p:nvPr>
+            <p:ph type="ftr" sz="quarter" idx="11"/>
+          </p:nvPr>
+        </p:nvSpPr>
+        <p:spPr/>
+        <p:txBody>
+          <a:bodyPr/>
+          <a:lstStyle/>
+          <a:p>
+            <a:endParaRPr lang="en-US"/>
+          </a:p>
+        </p:txBody>
+      </p:sp>
+      <p:sp>
+        <p:nvSpPr>
+          <p:cNvPr id="6" name="Slide Number Placeholder 5">
+            <a:extLst>
+              <a:ext uri="{FF2B5EF4-FFF2-40B4-BE49-F238E27FC236}">
+                <a16:creationId xmlns:a16="http://schemas.microsoft.com/office/drawing/2014/main" id="{91568B9D-A8C9-40C5-85B0-14F435F39C81}"/>
+              </a:ext>
+            </a:extLst>
+          </p:cNvPr>
+          <p:cNvSpPr>
+            <a:spLocks noGrp="1"/>
+          </p:cNvSpPr>
+          <p:nvPr>
+            <p:ph type="sldNum" sz="quarter" idx="12"/>
+          </p:nvPr>
+        </p:nvSpPr>
+        <p:spPr/>
+        <p:txBody>
+          <a:bodyPr/>
+          <a:lstStyle/>
+          <a:p>
+            <a:fld id="{5B03D32D-F1BC-4E9C-97E1-36CFF5B22341}" type="slidenum">
+              <a:rPr lang="en-US" smtClean="0"/>
+              <a:t>‹#›</a:t>
+            </a:fld>
+            <a:endParaRPr lang="en-US"/>
+          </a:p>
+        </p:txBody>
+      </p:sp>
+    </p:spTree>
+    <p:extLst>
+      <p:ext uri="{BB962C8B-B14F-4D97-AF65-F5344CB8AC3E}">
+        <p14:creationId xmlns:p14="http://schemas.microsoft.com/office/powerpoint/2010/main" val="4262182926"/>
+      </p:ext>
+    </p:extLst>
+  </p:cSld>
+  <p:clrMapOvr>
+    <a:masterClrMapping/>
+  </p:clrMapOvr>
+</p:sldLayout>
+</file>
+
 <file path=ppt/slideMasters/slideMaster1.xml><?xml version="1.0" encoding="utf-8"?>
 <p:sldMaster xmlns:a="http://schemas.openxmlformats.org/drawingml/2006/main" xmlns:r="http://schemas.openxmlformats.org/officeDocument/2006/relationships" xmlns:p="http://schemas.openxmlformats.org/presentationml/2006/main">
   <p:cSld>
@@ -9995,7 +10217,7 @@
           <a:p>
             <a:fld id="{3EC9F280-24DB-415F-8DF8-72D7FF3C4BF0}" type="datetimeFigureOut">
               <a:rPr lang="en-US" noProof="0" smtClean="0"/>
-              <a:t>2/18/2026</a:t>
+              <a:t>2/19/2026</a:t>
             </a:fld>
             <a:endParaRPr lang="en-US" noProof="0" dirty="0"/>
           </a:p>
@@ -10106,6 +10328,7 @@
     <p:sldLayoutId id="2147483671" r:id="rId4"/>
     <p:sldLayoutId id="2147483669" r:id="rId5"/>
     <p:sldLayoutId id="2147483661" r:id="rId6"/>
+    <p:sldLayoutId id="2147483672" r:id="rId7"/>
   </p:sldLayoutIdLst>
   <p:txStyles>
     <p:titleStyle>
@@ -11637,6 +11860,138 @@
     <p:extLst>
       <p:ext uri="{BB962C8B-B14F-4D97-AF65-F5344CB8AC3E}">
         <p14:creationId xmlns:p14="http://schemas.microsoft.com/office/powerpoint/2010/main" val="1329752253"/>
+      </p:ext>
+    </p:extLst>
+  </p:cSld>
+  <p:clrMapOvr>
+    <a:masterClrMapping/>
+  </p:clrMapOvr>
+</p:sld>
+</file>
+
+<file path=ppt/slides/slide5.xml><?xml version="1.0" encoding="utf-8"?>
+<p:sld xmlns:a="http://schemas.openxmlformats.org/drawingml/2006/main" xmlns:r="http://schemas.openxmlformats.org/officeDocument/2006/relationships" xmlns:p="http://schemas.openxmlformats.org/presentationml/2006/main">
+  <p:cSld>
+    <p:spTree>
+      <p:nvGrpSpPr>
+        <p:cNvPr id="1" name=""/>
+        <p:cNvGrpSpPr/>
+        <p:nvPr/>
+      </p:nvGrpSpPr>
+      <p:grpSpPr>
+        <a:xfrm>
+          <a:off x="0" y="0"/>
+          <a:ext cx="0" cy="0"/>
+          <a:chOff x="0" y="0"/>
+          <a:chExt cx="0" cy="0"/>
+        </a:xfrm>
+      </p:grpSpPr>
+      <p:pic>
+        <p:nvPicPr>
+          <p:cNvPr id="2" name="slide2" descr="HR Summary">
+            <a:extLst>
+              <a:ext uri="{FF2B5EF4-FFF2-40B4-BE49-F238E27FC236}">
+                <a16:creationId xmlns:a16="http://schemas.microsoft.com/office/drawing/2014/main" id="{30E8C2B4-298F-4517-8423-65FA2A77AD40}"/>
+              </a:ext>
+            </a:extLst>
+          </p:cNvPr>
+          <p:cNvPicPr>
+            <a:picLocks noChangeAspect="1"/>
+          </p:cNvPicPr>
+          <p:nvPr/>
+        </p:nvPicPr>
+        <p:blipFill>
+          <a:blip r:embed="rId2">
+            <a:extLst>
+              <a:ext uri="{28A0092B-C50C-407E-A947-70E740481C1C}">
+                <a14:useLocalDpi xmlns:a14="http://schemas.microsoft.com/office/drawing/2010/main" val="0"/>
+              </a:ext>
+            </a:extLst>
+          </a:blip>
+          <a:stretch>
+            <a:fillRect/>
+          </a:stretch>
+        </p:blipFill>
+        <p:spPr>
+          <a:xfrm>
+            <a:off x="95250" y="0"/>
+            <a:ext cx="12001500" cy="6858000"/>
+          </a:xfrm>
+          <a:prstGeom prst="rect">
+            <a:avLst/>
+          </a:prstGeom>
+        </p:spPr>
+      </p:pic>
+    </p:spTree>
+    <p:extLst>
+      <p:ext uri="{BB962C8B-B14F-4D97-AF65-F5344CB8AC3E}">
+        <p14:creationId xmlns:p14="http://schemas.microsoft.com/office/powerpoint/2010/main" val="95992585"/>
+      </p:ext>
+    </p:extLst>
+  </p:cSld>
+  <p:clrMapOvr>
+    <a:masterClrMapping/>
+  </p:clrMapOvr>
+</p:sld>
+</file>
+
+<file path=ppt/slides/slide6.xml><?xml version="1.0" encoding="utf-8"?>
+<p:sld xmlns:a="http://schemas.openxmlformats.org/drawingml/2006/main" xmlns:r="http://schemas.openxmlformats.org/officeDocument/2006/relationships" xmlns:p="http://schemas.openxmlformats.org/presentationml/2006/main">
+  <p:cSld>
+    <p:spTree>
+      <p:nvGrpSpPr>
+        <p:cNvPr id="1" name=""/>
+        <p:cNvGrpSpPr/>
+        <p:nvPr/>
+      </p:nvGrpSpPr>
+      <p:grpSpPr>
+        <a:xfrm>
+          <a:off x="0" y="0"/>
+          <a:ext cx="0" cy="0"/>
+          <a:chOff x="0" y="0"/>
+          <a:chExt cx="0" cy="0"/>
+        </a:xfrm>
+      </p:grpSpPr>
+      <p:pic>
+        <p:nvPicPr>
+          <p:cNvPr id="2" name="slide2" descr="HR Details">
+            <a:extLst>
+              <a:ext uri="{FF2B5EF4-FFF2-40B4-BE49-F238E27FC236}">
+                <a16:creationId xmlns:a16="http://schemas.microsoft.com/office/drawing/2014/main" id="{32874091-254C-46A3-A689-1F0F85EA49B7}"/>
+              </a:ext>
+            </a:extLst>
+          </p:cNvPr>
+          <p:cNvPicPr>
+            <a:picLocks noChangeAspect="1"/>
+          </p:cNvPicPr>
+          <p:nvPr/>
+        </p:nvPicPr>
+        <p:blipFill>
+          <a:blip r:embed="rId2">
+            <a:extLst>
+              <a:ext uri="{28A0092B-C50C-407E-A947-70E740481C1C}">
+                <a14:useLocalDpi xmlns:a14="http://schemas.microsoft.com/office/drawing/2010/main" val="0"/>
+              </a:ext>
+            </a:extLst>
+          </a:blip>
+          <a:stretch>
+            <a:fillRect/>
+          </a:stretch>
+        </p:blipFill>
+        <p:spPr>
+          <a:xfrm>
+            <a:off x="95250" y="0"/>
+            <a:ext cx="12001500" cy="6858000"/>
+          </a:xfrm>
+          <a:prstGeom prst="rect">
+            <a:avLst/>
+          </a:prstGeom>
+        </p:spPr>
+      </p:pic>
+    </p:spTree>
+    <p:extLst>
+      <p:ext uri="{BB962C8B-B14F-4D97-AF65-F5344CB8AC3E}">
+        <p14:creationId xmlns:p14="http://schemas.microsoft.com/office/powerpoint/2010/main" val="3053273985"/>
       </p:ext>
     </p:extLst>
   </p:cSld>
@@ -12438,15 +12793,6 @@
 </file>
 
 <file path=customXml/item1.xml><?xml version="1.0" encoding="utf-8"?>
-<?mso-contentType ?>
-<FormTemplates xmlns="http://schemas.microsoft.com/sharepoint/v3/contenttype/forms">
-  <Display>DocumentLibraryForm</Display>
-  <Edit>DocumentLibraryForm</Edit>
-  <New>DocumentLibraryForm</New>
-</FormTemplates>
-</file>
-
-<file path=customXml/item2.xml><?xml version="1.0" encoding="utf-8"?>
 <p:properties xmlns:p="http://schemas.microsoft.com/office/2006/metadata/properties" xmlns:xsi="http://www.w3.org/2001/XMLSchema-instance" xmlns:pc="http://schemas.microsoft.com/office/infopath/2007/PartnerControls">
   <documentManagement>
     <_ip_UnifiedCompliancePolicyUIAction xmlns="http://schemas.microsoft.com/sharepoint/v3" xsi:nil="true"/>
@@ -12464,6 +12810,15 @@
     <MediaServiceKeyPoints xmlns="71af3243-3dd4-4a8d-8c0d-dd76da1f02a5" xsi:nil="true"/>
   </documentManagement>
 </p:properties>
+</file>
+
+<file path=customXml/item2.xml><?xml version="1.0" encoding="utf-8"?>
+<?mso-contentType ?>
+<FormTemplates xmlns="http://schemas.microsoft.com/sharepoint/v3/contenttype/forms">
+  <Display>DocumentLibraryForm</Display>
+  <Edit>DocumentLibraryForm</Edit>
+  <New>DocumentLibraryForm</New>
+</FormTemplates>
 </file>
 
 <file path=customXml/item3.xml><?xml version="1.0" encoding="utf-8"?>
@@ -12767,14 +13122,6 @@
 </file>
 
 <file path=customXml/itemProps1.xml><?xml version="1.0" encoding="utf-8"?>
-<ds:datastoreItem xmlns:ds="http://schemas.openxmlformats.org/officeDocument/2006/customXml" ds:itemID="{017748DE-D1CF-4B15-AE74-C1B32FB82261}">
-  <ds:schemaRefs>
-    <ds:schemaRef ds:uri="http://schemas.microsoft.com/sharepoint/v3/contenttype/forms"/>
-  </ds:schemaRefs>
-</ds:datastoreItem>
-</file>
-
-<file path=customXml/itemProps2.xml><?xml version="1.0" encoding="utf-8"?>
 <ds:datastoreItem xmlns:ds="http://schemas.openxmlformats.org/officeDocument/2006/customXml" ds:itemID="{93E00486-CB92-4A36-912A-95D11F2FF948}">
   <ds:schemaRefs>
     <ds:schemaRef ds:uri="http://schemas.microsoft.com/office/2006/metadata/properties"/>
@@ -12782,6 +13129,14 @@
     <ds:schemaRef ds:uri="http://schemas.microsoft.com/sharepoint/v3"/>
     <ds:schemaRef ds:uri="71af3243-3dd4-4a8d-8c0d-dd76da1f02a5"/>
     <ds:schemaRef ds:uri="230e9df3-be65-4c73-a93b-d1236ebd677e"/>
+  </ds:schemaRefs>
+</ds:datastoreItem>
+</file>
+
+<file path=customXml/itemProps2.xml><?xml version="1.0" encoding="utf-8"?>
+<ds:datastoreItem xmlns:ds="http://schemas.openxmlformats.org/officeDocument/2006/customXml" ds:itemID="{017748DE-D1CF-4B15-AE74-C1B32FB82261}">
+  <ds:schemaRefs>
+    <ds:schemaRef ds:uri="http://schemas.microsoft.com/sharepoint/v3/contenttype/forms"/>
   </ds:schemaRefs>
 </ds:datastoreItem>
 </file>
